--- a/Instructions_Pictures/Control/ControPresntation.pptx
+++ b/Instructions_Pictures/Control/ControPresntation.pptx
@@ -6,13 +6,14 @@
     <p:sldMasterId id="2147483660" r:id="rId2"/>
   </p:sldMasterIdLst>
   <p:notesMasterIdLst>
-    <p:notesMasterId r:id="rId7"/>
+    <p:notesMasterId r:id="rId8"/>
   </p:notesMasterIdLst>
   <p:sldIdLst>
     <p:sldId id="264" r:id="rId3"/>
     <p:sldId id="286" r:id="rId4"/>
     <p:sldId id="285" r:id="rId5"/>
     <p:sldId id="283" r:id="rId6"/>
+    <p:sldId id="287" r:id="rId7"/>
   </p:sldIdLst>
   <p:sldSz cx="12192000" cy="6858000"/>
   <p:notesSz cx="6858000" cy="9144000"/>
@@ -201,7 +202,7 @@
           <a:p>
             <a:fld id="{E130F5AB-C98F-4759-9D05-F414FD7B35E1}" type="datetimeFigureOut">
               <a:rPr lang="en-US" smtClean="0"/>
-              <a:t>8/11/2021</a:t>
+              <a:t>2/13/2022</a:t>
             </a:fld>
             <a:endParaRPr lang="en-US"/>
           </a:p>
@@ -599,7 +600,7 @@
           <a:p>
             <a:fld id="{306B59E2-DA6D-487B-96A5-0C8E7410BF99}" type="datetimeFigureOut">
               <a:rPr lang="he-IL" smtClean="0"/>
-              <a:t>ג'/אלול/תשפ"א</a:t>
+              <a:t>י"ב/אדר א/תשפ"ב</a:t>
             </a:fld>
             <a:endParaRPr lang="he-IL"/>
           </a:p>
@@ -769,7 +770,7 @@
           <a:p>
             <a:fld id="{306B59E2-DA6D-487B-96A5-0C8E7410BF99}" type="datetimeFigureOut">
               <a:rPr lang="he-IL" smtClean="0"/>
-              <a:t>ג'/אלול/תשפ"א</a:t>
+              <a:t>י"ב/אדר א/תשפ"ב</a:t>
             </a:fld>
             <a:endParaRPr lang="he-IL"/>
           </a:p>
@@ -949,7 +950,7 @@
           <a:p>
             <a:fld id="{306B59E2-DA6D-487B-96A5-0C8E7410BF99}" type="datetimeFigureOut">
               <a:rPr lang="he-IL" smtClean="0"/>
-              <a:t>ג'/אלול/תשפ"א</a:t>
+              <a:t>י"ב/אדר א/תשפ"ב</a:t>
             </a:fld>
             <a:endParaRPr lang="he-IL"/>
           </a:p>
@@ -1141,7 +1142,7 @@
           <a:p>
             <a:fld id="{4476BBAF-3BF1-4078-A5DF-44D473DCBE61}" type="datetimeFigureOut">
               <a:rPr lang="he-IL" smtClean="0"/>
-              <a:t>ג'/אלול/תשפ"א</a:t>
+              <a:t>י"ב/אדר א/תשפ"ב</a:t>
             </a:fld>
             <a:endParaRPr lang="he-IL"/>
           </a:p>
@@ -1311,7 +1312,7 @@
           <a:p>
             <a:fld id="{4476BBAF-3BF1-4078-A5DF-44D473DCBE61}" type="datetimeFigureOut">
               <a:rPr lang="he-IL" smtClean="0"/>
-              <a:t>ג'/אלול/תשפ"א</a:t>
+              <a:t>י"ב/אדר א/תשפ"ב</a:t>
             </a:fld>
             <a:endParaRPr lang="he-IL"/>
           </a:p>
@@ -1557,7 +1558,7 @@
           <a:p>
             <a:fld id="{4476BBAF-3BF1-4078-A5DF-44D473DCBE61}" type="datetimeFigureOut">
               <a:rPr lang="he-IL" smtClean="0"/>
-              <a:t>ג'/אלול/תשפ"א</a:t>
+              <a:t>י"ב/אדר א/תשפ"ב</a:t>
             </a:fld>
             <a:endParaRPr lang="he-IL"/>
           </a:p>
@@ -1789,7 +1790,7 @@
           <a:p>
             <a:fld id="{4476BBAF-3BF1-4078-A5DF-44D473DCBE61}" type="datetimeFigureOut">
               <a:rPr lang="he-IL" smtClean="0"/>
-              <a:t>ג'/אלול/תשפ"א</a:t>
+              <a:t>י"ב/אדר א/תשפ"ב</a:t>
             </a:fld>
             <a:endParaRPr lang="he-IL"/>
           </a:p>
@@ -2156,7 +2157,7 @@
           <a:p>
             <a:fld id="{4476BBAF-3BF1-4078-A5DF-44D473DCBE61}" type="datetimeFigureOut">
               <a:rPr lang="he-IL" smtClean="0"/>
-              <a:t>ג'/אלול/תשפ"א</a:t>
+              <a:t>י"ב/אדר א/תשפ"ב</a:t>
             </a:fld>
             <a:endParaRPr lang="he-IL"/>
           </a:p>
@@ -2274,7 +2275,7 @@
           <a:p>
             <a:fld id="{4476BBAF-3BF1-4078-A5DF-44D473DCBE61}" type="datetimeFigureOut">
               <a:rPr lang="he-IL" smtClean="0"/>
-              <a:t>ג'/אלול/תשפ"א</a:t>
+              <a:t>י"ב/אדר א/תשפ"ב</a:t>
             </a:fld>
             <a:endParaRPr lang="he-IL"/>
           </a:p>
@@ -2369,7 +2370,7 @@
           <a:p>
             <a:fld id="{4476BBAF-3BF1-4078-A5DF-44D473DCBE61}" type="datetimeFigureOut">
               <a:rPr lang="he-IL" smtClean="0"/>
-              <a:t>ג'/אלול/תשפ"א</a:t>
+              <a:t>י"ב/אדר א/תשפ"ב</a:t>
             </a:fld>
             <a:endParaRPr lang="he-IL"/>
           </a:p>
@@ -2646,7 +2647,7 @@
           <a:p>
             <a:fld id="{4476BBAF-3BF1-4078-A5DF-44D473DCBE61}" type="datetimeFigureOut">
               <a:rPr lang="he-IL" smtClean="0"/>
-              <a:t>ג'/אלול/תשפ"א</a:t>
+              <a:t>י"ב/אדר א/תשפ"ב</a:t>
             </a:fld>
             <a:endParaRPr lang="he-IL"/>
           </a:p>
@@ -2816,7 +2817,7 @@
           <a:p>
             <a:fld id="{306B59E2-DA6D-487B-96A5-0C8E7410BF99}" type="datetimeFigureOut">
               <a:rPr lang="he-IL" smtClean="0"/>
-              <a:t>ג'/אלול/תשפ"א</a:t>
+              <a:t>י"ב/אדר א/תשפ"ב</a:t>
             </a:fld>
             <a:endParaRPr lang="he-IL"/>
           </a:p>
@@ -3069,7 +3070,7 @@
           <a:p>
             <a:fld id="{4476BBAF-3BF1-4078-A5DF-44D473DCBE61}" type="datetimeFigureOut">
               <a:rPr lang="he-IL" smtClean="0"/>
-              <a:t>ג'/אלול/תשפ"א</a:t>
+              <a:t>י"ב/אדר א/תשפ"ב</a:t>
             </a:fld>
             <a:endParaRPr lang="he-IL"/>
           </a:p>
@@ -3239,7 +3240,7 @@
           <a:p>
             <a:fld id="{4476BBAF-3BF1-4078-A5DF-44D473DCBE61}" type="datetimeFigureOut">
               <a:rPr lang="he-IL" smtClean="0"/>
-              <a:t>ג'/אלול/תשפ"א</a:t>
+              <a:t>י"ב/אדר א/תשפ"ב</a:t>
             </a:fld>
             <a:endParaRPr lang="he-IL"/>
           </a:p>
@@ -3419,7 +3420,7 @@
           <a:p>
             <a:fld id="{4476BBAF-3BF1-4078-A5DF-44D473DCBE61}" type="datetimeFigureOut">
               <a:rPr lang="he-IL" smtClean="0"/>
-              <a:t>ג'/אלול/תשפ"א</a:t>
+              <a:t>י"ב/אדר א/תשפ"ב</a:t>
             </a:fld>
             <a:endParaRPr lang="he-IL"/>
           </a:p>
@@ -3665,7 +3666,7 @@
           <a:p>
             <a:fld id="{306B59E2-DA6D-487B-96A5-0C8E7410BF99}" type="datetimeFigureOut">
               <a:rPr lang="he-IL" smtClean="0"/>
-              <a:t>ג'/אלול/תשפ"א</a:t>
+              <a:t>י"ב/אדר א/תשפ"ב</a:t>
             </a:fld>
             <a:endParaRPr lang="he-IL"/>
           </a:p>
@@ -3897,7 +3898,7 @@
           <a:p>
             <a:fld id="{306B59E2-DA6D-487B-96A5-0C8E7410BF99}" type="datetimeFigureOut">
               <a:rPr lang="he-IL" smtClean="0"/>
-              <a:t>ג'/אלול/תשפ"א</a:t>
+              <a:t>י"ב/אדר א/תשפ"ב</a:t>
             </a:fld>
             <a:endParaRPr lang="he-IL"/>
           </a:p>
@@ -4264,7 +4265,7 @@
           <a:p>
             <a:fld id="{306B59E2-DA6D-487B-96A5-0C8E7410BF99}" type="datetimeFigureOut">
               <a:rPr lang="he-IL" smtClean="0"/>
-              <a:t>ג'/אלול/תשפ"א</a:t>
+              <a:t>י"ב/אדר א/תשפ"ב</a:t>
             </a:fld>
             <a:endParaRPr lang="he-IL"/>
           </a:p>
@@ -4382,7 +4383,7 @@
           <a:p>
             <a:fld id="{306B59E2-DA6D-487B-96A5-0C8E7410BF99}" type="datetimeFigureOut">
               <a:rPr lang="he-IL" smtClean="0"/>
-              <a:t>ג'/אלול/תשפ"א</a:t>
+              <a:t>י"ב/אדר א/תשפ"ב</a:t>
             </a:fld>
             <a:endParaRPr lang="he-IL"/>
           </a:p>
@@ -4477,7 +4478,7 @@
           <a:p>
             <a:fld id="{306B59E2-DA6D-487B-96A5-0C8E7410BF99}" type="datetimeFigureOut">
               <a:rPr lang="he-IL" smtClean="0"/>
-              <a:t>ג'/אלול/תשפ"א</a:t>
+              <a:t>י"ב/אדר א/תשפ"ב</a:t>
             </a:fld>
             <a:endParaRPr lang="he-IL"/>
           </a:p>
@@ -4754,7 +4755,7 @@
           <a:p>
             <a:fld id="{306B59E2-DA6D-487B-96A5-0C8E7410BF99}" type="datetimeFigureOut">
               <a:rPr lang="he-IL" smtClean="0"/>
-              <a:t>ג'/אלול/תשפ"א</a:t>
+              <a:t>י"ב/אדר א/תשפ"ב</a:t>
             </a:fld>
             <a:endParaRPr lang="he-IL"/>
           </a:p>
@@ -5007,7 +5008,7 @@
           <a:p>
             <a:fld id="{306B59E2-DA6D-487B-96A5-0C8E7410BF99}" type="datetimeFigureOut">
               <a:rPr lang="he-IL" smtClean="0"/>
-              <a:t>ג'/אלול/תשפ"א</a:t>
+              <a:t>י"ב/אדר א/תשפ"ב</a:t>
             </a:fld>
             <a:endParaRPr lang="he-IL"/>
           </a:p>
@@ -5223,7 +5224,7 @@
           <a:p>
             <a:fld id="{306B59E2-DA6D-487B-96A5-0C8E7410BF99}" type="datetimeFigureOut">
               <a:rPr lang="he-IL" smtClean="0"/>
-              <a:t>ג'/אלול/תשפ"א</a:t>
+              <a:t>י"ב/אדר א/תשפ"ב</a:t>
             </a:fld>
             <a:endParaRPr lang="he-IL"/>
           </a:p>
@@ -5763,7 +5764,7 @@
           <a:p>
             <a:fld id="{4476BBAF-3BF1-4078-A5DF-44D473DCBE61}" type="datetimeFigureOut">
               <a:rPr lang="he-IL" smtClean="0"/>
-              <a:t>ג'/אלול/תשפ"א</a:t>
+              <a:t>י"ב/אדר א/תשפ"ב</a:t>
             </a:fld>
             <a:endParaRPr lang="he-IL"/>
           </a:p>
@@ -8438,7 +8439,34 @@
                 <a:ea typeface="+mn-ea"/>
                 <a:cs typeface="David" panose="020E0502060401010101" pitchFamily="34" charset="-79"/>
               </a:rPr>
-              <a:t>בכל צעד, אתה מתבקש ללחוץ על הכפתור המתאים במקלדת בדיוק כפי שעשית קודם – מהר, ומדויק, לפי המרובע המוצגת.</a:t>
+              <a:t>בכל צעד, אתה מתבקש ללחוץ על הכפתור המתאים במקלדת בדיוק כפי שעשית קודם – מהר, ומדויק, </a:t>
+            </a:r>
+            <a:r>
+              <a:rPr lang="he-IL" sz="2400" dirty="0">
+                <a:solidFill>
+                  <a:schemeClr val="tx1"/>
+                </a:solidFill>
+                <a:latin typeface="David" panose="020E0502060401010101" pitchFamily="34" charset="-79"/>
+                <a:cs typeface="David" panose="020E0502060401010101" pitchFamily="34" charset="-79"/>
+              </a:rPr>
+              <a:t>לפי כמות הריבועים המלאים המוצגת</a:t>
+            </a:r>
+            <a:r>
+              <a:rPr kumimoji="0" lang="he-IL" sz="2400" b="0" i="0" u="none" strike="noStrike" kern="1200" cap="none" spc="0" normalizeH="0" baseline="0" noProof="0" dirty="0">
+                <a:ln>
+                  <a:noFill/>
+                </a:ln>
+                <a:solidFill>
+                  <a:prstClr val="black"/>
+                </a:solidFill>
+                <a:effectLst/>
+                <a:uLnTx/>
+                <a:uFillTx/>
+                <a:latin typeface="David" panose="020E0502060401010101" pitchFamily="34" charset="-79"/>
+                <a:ea typeface="+mn-ea"/>
+                <a:cs typeface="David" panose="020E0502060401010101" pitchFamily="34" charset="-79"/>
+              </a:rPr>
+              <a:t>.</a:t>
             </a:r>
           </a:p>
           <a:p>
@@ -8757,16 +8785,6 @@
               <a:t>בתירגול</a:t>
             </a:r>
             <a:r>
-              <a:rPr lang="he-IL" sz="2330">
-                <a:solidFill>
-                  <a:prstClr val="black"/>
-                </a:solidFill>
-                <a:latin typeface="David" panose="020E0502060401010101" pitchFamily="34" charset="-79"/>
-                <a:cs typeface="David" panose="020E0502060401010101" pitchFamily="34" charset="-79"/>
-              </a:rPr>
-              <a:t> שמטרתה </a:t>
-            </a:r>
-            <a:r>
               <a:rPr lang="he-IL" sz="2330" dirty="0">
                 <a:solidFill>
                   <a:prstClr val="black"/>
@@ -8774,7 +8792,7 @@
                 <a:latin typeface="David" panose="020E0502060401010101" pitchFamily="34" charset="-79"/>
                 <a:cs typeface="David" panose="020E0502060401010101" pitchFamily="34" charset="-79"/>
               </a:rPr>
-              <a:t>לאמן את הקשב שלך </a:t>
+              <a:t> שמטרתה לאמן את הקשב שלך </a:t>
             </a:r>
             <a:endParaRPr kumimoji="0" lang="he-IL" sz="2330" b="0" i="0" u="none" strike="noStrike" kern="1200" cap="none" spc="0" normalizeH="0" baseline="0" noProof="0" dirty="0">
               <a:ln>
@@ -8811,18 +8829,8 @@
                 <a:latin typeface="David" panose="020E0502060401010101" pitchFamily="34" charset="-79"/>
                 <a:cs typeface="David" panose="020E0502060401010101" pitchFamily="34" charset="-79"/>
               </a:rPr>
-              <a:t>בכל צעד, אתה מתבקש ללחוץ על הכפתור המתאים במקלדת בדיוק כפי שעשית קודם – מהר, ומדויק, לפי המרובע המוצגת.</a:t>
-            </a:r>
-          </a:p>
-          <a:p>
-            <a:pPr algn="ctr" rtl="1"/>
-            <a:endParaRPr lang="he-IL" sz="2330" dirty="0">
-              <a:solidFill>
-                <a:schemeClr val="tx1"/>
-              </a:solidFill>
-              <a:latin typeface="David" panose="020E0502060401010101" pitchFamily="34" charset="-79"/>
-              <a:cs typeface="David" panose="020E0502060401010101" pitchFamily="34" charset="-79"/>
-            </a:endParaRPr>
+              <a:t>בכל צעד, אתה מתבקש ללחוץ על הכפתור המתאים במקלדת בדיוק כפי שעשית קודם – מהר, ומדויק, לפי כמות הריבועים המלאים המוצגת.</a:t>
+            </a:r>
           </a:p>
           <a:p>
             <a:pPr algn="ctr" rtl="1"/>
@@ -8976,6 +8984,343 @@
     <p:extLst>
       <p:ext uri="{BB962C8B-B14F-4D97-AF65-F5344CB8AC3E}">
         <p14:creationId xmlns:p14="http://schemas.microsoft.com/office/powerpoint/2010/main" val="1428596441"/>
+      </p:ext>
+    </p:extLst>
+  </p:cSld>
+  <p:clrMapOvr>
+    <a:masterClrMapping/>
+  </p:clrMapOvr>
+</p:sld>
+</file>
+
+<file path=ppt/slides/slide5.xml><?xml version="1.0" encoding="utf-8"?>
+<p:sld xmlns:a="http://schemas.openxmlformats.org/drawingml/2006/main" xmlns:r="http://schemas.openxmlformats.org/officeDocument/2006/relationships" xmlns:p="http://schemas.openxmlformats.org/presentationml/2006/main">
+  <p:cSld>
+    <p:spTree>
+      <p:nvGrpSpPr>
+        <p:cNvPr id="1" name=""/>
+        <p:cNvGrpSpPr/>
+        <p:nvPr/>
+      </p:nvGrpSpPr>
+      <p:grpSpPr>
+        <a:xfrm>
+          <a:off x="0" y="0"/>
+          <a:ext cx="0" cy="0"/>
+          <a:chOff x="0" y="0"/>
+          <a:chExt cx="0" cy="0"/>
+        </a:xfrm>
+      </p:grpSpPr>
+      <p:sp>
+        <p:nvSpPr>
+          <p:cNvPr id="4" name="Rectangle 3"/>
+          <p:cNvSpPr>
+            <a:spLocks/>
+          </p:cNvSpPr>
+          <p:nvPr/>
+        </p:nvSpPr>
+        <p:spPr>
+          <a:xfrm>
+            <a:off x="2065971" y="577526"/>
+            <a:ext cx="8071946" cy="4969278"/>
+          </a:xfrm>
+          <a:prstGeom prst="rect">
+            <a:avLst/>
+          </a:prstGeom>
+          <a:solidFill>
+            <a:schemeClr val="bg1">
+              <a:lumMod val="65000"/>
+            </a:schemeClr>
+          </a:solidFill>
+          <a:ln w="76200">
+            <a:solidFill>
+              <a:schemeClr val="tx1">
+                <a:lumMod val="65000"/>
+                <a:lumOff val="35000"/>
+              </a:schemeClr>
+            </a:solidFill>
+          </a:ln>
+        </p:spPr>
+        <p:style>
+          <a:lnRef idx="2">
+            <a:schemeClr val="accent1">
+              <a:shade val="50000"/>
+            </a:schemeClr>
+          </a:lnRef>
+          <a:fillRef idx="1">
+            <a:schemeClr val="accent1"/>
+          </a:fillRef>
+          <a:effectRef idx="0">
+            <a:schemeClr val="accent1"/>
+          </a:effectRef>
+          <a:fontRef idx="minor">
+            <a:schemeClr val="lt1"/>
+          </a:fontRef>
+        </p:style>
+        <p:txBody>
+          <a:bodyPr lIns="160949" tIns="80476" rIns="160949" bIns="80476" rtlCol="1" anchor="ctr"/>
+          <a:lstStyle/>
+          <a:p>
+            <a:pPr algn="ctr" rtl="1"/>
+            <a:r>
+              <a:rPr lang="he-IL" sz="2330" b="1" u="sng" dirty="0">
+                <a:solidFill>
+                  <a:schemeClr val="tx1"/>
+                </a:solidFill>
+                <a:latin typeface="David" panose="020E0502060401010101" pitchFamily="34" charset="-79"/>
+                <a:cs typeface="David" panose="020E0502060401010101" pitchFamily="34" charset="-79"/>
+              </a:rPr>
+              <a:t>אימון מנטלי להפחתת הטיית קשב</a:t>
+            </a:r>
+          </a:p>
+          <a:p>
+            <a:pPr algn="ctr" rtl="1"/>
+            <a:endParaRPr lang="en-US" sz="2330" dirty="0">
+              <a:solidFill>
+                <a:schemeClr val="tx1"/>
+              </a:solidFill>
+              <a:latin typeface="David" panose="020E0502060401010101" pitchFamily="34" charset="-79"/>
+              <a:cs typeface="David" panose="020E0502060401010101" pitchFamily="34" charset="-79"/>
+            </a:endParaRPr>
+          </a:p>
+          <a:p>
+            <a:pPr algn="ctr" rtl="1"/>
+            <a:r>
+              <a:rPr kumimoji="0" lang="he-IL" sz="2330" b="0" i="0" u="none" strike="noStrike" kern="1200" cap="none" spc="0" normalizeH="0" baseline="0" noProof="0" dirty="0">
+                <a:ln>
+                  <a:noFill/>
+                </a:ln>
+                <a:solidFill>
+                  <a:prstClr val="black"/>
+                </a:solidFill>
+                <a:effectLst/>
+                <a:uLnTx/>
+                <a:uFillTx/>
+                <a:latin typeface="David" panose="020E0502060401010101" pitchFamily="34" charset="-79"/>
+                <a:ea typeface="+mn-ea"/>
+                <a:cs typeface="David" panose="020E0502060401010101" pitchFamily="34" charset="-79"/>
+              </a:rPr>
+              <a:t>כעת תמשיכי במטלה </a:t>
+            </a:r>
+            <a:r>
+              <a:rPr lang="he-IL" sz="2330" dirty="0">
+                <a:solidFill>
+                  <a:prstClr val="black"/>
+                </a:solidFill>
+                <a:latin typeface="David" panose="020E0502060401010101" pitchFamily="34" charset="-79"/>
+                <a:cs typeface="David" panose="020E0502060401010101" pitchFamily="34" charset="-79"/>
+              </a:rPr>
+              <a:t>כמו </a:t>
+            </a:r>
+            <a:r>
+              <a:rPr lang="he-IL" sz="2330" dirty="0" err="1">
+                <a:solidFill>
+                  <a:prstClr val="black"/>
+                </a:solidFill>
+                <a:latin typeface="David" panose="020E0502060401010101" pitchFamily="34" charset="-79"/>
+                <a:cs typeface="David" panose="020E0502060401010101" pitchFamily="34" charset="-79"/>
+              </a:rPr>
+              <a:t>בתירגול</a:t>
+            </a:r>
+            <a:r>
+              <a:rPr lang="he-IL" sz="2330" dirty="0">
+                <a:solidFill>
+                  <a:prstClr val="black"/>
+                </a:solidFill>
+                <a:latin typeface="David" panose="020E0502060401010101" pitchFamily="34" charset="-79"/>
+                <a:cs typeface="David" panose="020E0502060401010101" pitchFamily="34" charset="-79"/>
+              </a:rPr>
+              <a:t> שמטרתה לאמן את הקשב שלך </a:t>
+            </a:r>
+            <a:endParaRPr kumimoji="0" lang="he-IL" sz="2330" b="0" i="0" u="none" strike="noStrike" kern="1200" cap="none" spc="0" normalizeH="0" baseline="0" noProof="0" dirty="0">
+              <a:ln>
+                <a:noFill/>
+              </a:ln>
+              <a:solidFill>
+                <a:prstClr val="black"/>
+              </a:solidFill>
+              <a:effectLst/>
+              <a:uLnTx/>
+              <a:uFillTx/>
+              <a:latin typeface="David" panose="020E0502060401010101" pitchFamily="34" charset="-79"/>
+              <a:ea typeface="+mn-ea"/>
+              <a:cs typeface="David" panose="020E0502060401010101" pitchFamily="34" charset="-79"/>
+            </a:endParaRPr>
+          </a:p>
+          <a:p>
+            <a:pPr algn="ctr" rtl="1"/>
+            <a:endParaRPr lang="he-IL" sz="2330" dirty="0">
+              <a:solidFill>
+                <a:schemeClr val="tx1"/>
+              </a:solidFill>
+              <a:latin typeface="David" panose="020E0502060401010101" pitchFamily="34" charset="-79"/>
+              <a:cs typeface="David" panose="020E0502060401010101" pitchFamily="34" charset="-79"/>
+            </a:endParaRPr>
+          </a:p>
+          <a:p>
+            <a:pPr algn="ctr" rtl="1"/>
+            <a:r>
+              <a:rPr lang="he-IL" sz="2330" dirty="0">
+                <a:solidFill>
+                  <a:schemeClr val="tx1"/>
+                </a:solidFill>
+                <a:latin typeface="David" panose="020E0502060401010101" pitchFamily="34" charset="-79"/>
+                <a:cs typeface="David" panose="020E0502060401010101" pitchFamily="34" charset="-79"/>
+              </a:rPr>
+              <a:t>בכל צעד, את מתבקשת ללחוץ על הכפתור המתאים במקלדת בדיוק כפי שעשית קודם – מהר, ומדויק, לפי כמות הריבועים המלאים המוצגת.</a:t>
+            </a:r>
+          </a:p>
+          <a:p>
+            <a:pPr algn="ctr" rtl="1"/>
+            <a:endParaRPr lang="he-IL" sz="2330" dirty="0">
+              <a:solidFill>
+                <a:schemeClr val="tx1"/>
+              </a:solidFill>
+              <a:latin typeface="David" panose="020E0502060401010101" pitchFamily="34" charset="-79"/>
+              <a:cs typeface="David" panose="020E0502060401010101" pitchFamily="34" charset="-79"/>
+            </a:endParaRPr>
+          </a:p>
+        </p:txBody>
+      </p:sp>
+      <p:sp>
+        <p:nvSpPr>
+          <p:cNvPr id="5" name="Rectangle 4"/>
+          <p:cNvSpPr/>
+          <p:nvPr/>
+        </p:nvSpPr>
+        <p:spPr>
+          <a:xfrm>
+            <a:off x="4726770" y="5358207"/>
+            <a:ext cx="2750351" cy="1021313"/>
+          </a:xfrm>
+          <a:prstGeom prst="rect">
+            <a:avLst/>
+          </a:prstGeom>
+          <a:solidFill>
+            <a:schemeClr val="tx1">
+              <a:lumMod val="65000"/>
+              <a:lumOff val="35000"/>
+            </a:schemeClr>
+          </a:solidFill>
+          <a:ln w="76200">
+            <a:solidFill>
+              <a:schemeClr val="tx1">
+                <a:lumMod val="85000"/>
+                <a:lumOff val="15000"/>
+              </a:schemeClr>
+            </a:solidFill>
+          </a:ln>
+        </p:spPr>
+        <p:style>
+          <a:lnRef idx="2">
+            <a:schemeClr val="accent1">
+              <a:shade val="50000"/>
+            </a:schemeClr>
+          </a:lnRef>
+          <a:fillRef idx="1">
+            <a:schemeClr val="accent1"/>
+          </a:fillRef>
+          <a:effectRef idx="0">
+            <a:schemeClr val="accent1"/>
+          </a:effectRef>
+          <a:fontRef idx="minor">
+            <a:schemeClr val="lt1"/>
+          </a:fontRef>
+        </p:style>
+        <p:txBody>
+          <a:bodyPr lIns="160949" tIns="80476" rIns="160949" bIns="80476" rtlCol="1" anchor="ctr"/>
+          <a:lstStyle/>
+          <a:p>
+            <a:pPr marL="0" marR="0" lvl="0" indent="0" algn="ctr" defTabSz="914400" rtl="1" eaLnBrk="1" fontAlgn="auto" latinLnBrk="0" hangingPunct="1">
+              <a:lnSpc>
+                <a:spcPct val="100000"/>
+              </a:lnSpc>
+              <a:spcBef>
+                <a:spcPts val="0"/>
+              </a:spcBef>
+              <a:spcAft>
+                <a:spcPts val="0"/>
+              </a:spcAft>
+              <a:buClrTx/>
+              <a:buSzTx/>
+              <a:buFontTx/>
+              <a:buNone/>
+              <a:tabLst/>
+              <a:defRPr/>
+            </a:pPr>
+            <a:r>
+              <a:rPr kumimoji="0" lang="he-IL" sz="1937" b="0" i="0" u="none" strike="noStrike" kern="1200" cap="none" spc="0" normalizeH="0" baseline="0" noProof="0" dirty="0">
+                <a:ln>
+                  <a:noFill/>
+                </a:ln>
+                <a:solidFill>
+                  <a:prstClr val="black"/>
+                </a:solidFill>
+                <a:effectLst/>
+                <a:uLnTx/>
+                <a:uFillTx/>
+                <a:latin typeface="David" panose="020E0502060401010101" pitchFamily="34" charset="-79"/>
+                <a:ea typeface="+mn-ea"/>
+                <a:cs typeface="David" panose="020E0502060401010101" pitchFamily="34" charset="-79"/>
+              </a:rPr>
+              <a:t>כשסיימת לקרוא,</a:t>
+            </a:r>
+          </a:p>
+          <a:p>
+            <a:pPr marL="0" marR="0" lvl="0" indent="0" algn="ctr" defTabSz="914400" rtl="1" eaLnBrk="1" fontAlgn="auto" latinLnBrk="0" hangingPunct="1">
+              <a:lnSpc>
+                <a:spcPct val="100000"/>
+              </a:lnSpc>
+              <a:spcBef>
+                <a:spcPts val="0"/>
+              </a:spcBef>
+              <a:spcAft>
+                <a:spcPts val="0"/>
+              </a:spcAft>
+              <a:buClrTx/>
+              <a:buSzTx/>
+              <a:buFontTx/>
+              <a:buNone/>
+              <a:tabLst/>
+              <a:defRPr/>
+            </a:pPr>
+            <a:r>
+              <a:rPr kumimoji="0" lang="he-IL" sz="1937" b="0" i="0" u="sng" strike="noStrike" kern="1200" cap="none" spc="0" normalizeH="0" baseline="0" noProof="0" dirty="0">
+                <a:ln>
+                  <a:noFill/>
+                </a:ln>
+                <a:solidFill>
+                  <a:prstClr val="black"/>
+                </a:solidFill>
+                <a:effectLst/>
+                <a:uLnTx/>
+                <a:uFillTx/>
+                <a:latin typeface="David" panose="020E0502060401010101" pitchFamily="34" charset="-79"/>
+                <a:ea typeface="+mn-ea"/>
+                <a:cs typeface="David" panose="020E0502060401010101" pitchFamily="34" charset="-79"/>
+              </a:rPr>
+              <a:t> לחץ/י על מקש רווח</a:t>
+            </a:r>
+            <a:endParaRPr kumimoji="0" lang="he-IL" sz="1937" b="0" i="0" u="none" strike="noStrike" kern="1200" cap="none" spc="0" normalizeH="0" baseline="0" noProof="0" dirty="0">
+              <a:ln>
+                <a:noFill/>
+              </a:ln>
+              <a:solidFill>
+                <a:prstClr val="black"/>
+              </a:solidFill>
+              <a:effectLst/>
+              <a:uLnTx/>
+              <a:uFillTx/>
+              <a:latin typeface="David" panose="020E0502060401010101" pitchFamily="34" charset="-79"/>
+              <a:ea typeface="+mn-ea"/>
+              <a:cs typeface="David" panose="020E0502060401010101" pitchFamily="34" charset="-79"/>
+            </a:endParaRPr>
+          </a:p>
+        </p:txBody>
+      </p:sp>
+    </p:spTree>
+    <p:extLst>
+      <p:ext uri="{BB962C8B-B14F-4D97-AF65-F5344CB8AC3E}">
+        <p14:creationId xmlns:p14="http://schemas.microsoft.com/office/powerpoint/2010/main" val="2797226802"/>
       </p:ext>
     </p:extLst>
   </p:cSld>
